--- a/Python_Project.pptx
+++ b/Python_Project.pptx
@@ -184,10 +184,9 @@
           <a:lstStyle/>
           <a:p>
             <a:r>
-              <a:rPr lang="en-US" smtClean="0"/>
+              <a:rPr lang="en-US"/>
               <a:t>Click to edit Master title style</a:t>
             </a:r>
-            <a:endParaRPr lang="en-US"/>
           </a:p>
         </p:txBody>
       </p:sp>
@@ -303,10 +302,9 @@
           </a:lstStyle>
           <a:p>
             <a:r>
-              <a:rPr lang="en-US" smtClean="0"/>
+              <a:rPr lang="en-US"/>
               <a:t>Click to edit Master subtitle style</a:t>
             </a:r>
-            <a:endParaRPr lang="en-US"/>
           </a:p>
         </p:txBody>
       </p:sp>
@@ -327,7 +325,7 @@
           <a:p>
             <a:fld id="{F8166F1F-CE9B-4651-A6AA-CD717754106B}" type="datetimeFigureOut">
               <a:rPr lang="en-US" smtClean="0"/>
-              <a:t>12/8/2021</a:t>
+              <a:t>1/8/2022</a:t>
             </a:fld>
             <a:endParaRPr lang="en-US"/>
           </a:p>
@@ -416,10 +414,9 @@
           <a:lstStyle/>
           <a:p>
             <a:r>
-              <a:rPr lang="en-US" smtClean="0"/>
+              <a:rPr lang="en-US"/>
               <a:t>Click to edit Master title style</a:t>
             </a:r>
-            <a:endParaRPr lang="en-US"/>
           </a:p>
         </p:txBody>
       </p:sp>
@@ -440,38 +437,37 @@
           <a:p>
             <a:pPr lvl="0"/>
             <a:r>
-              <a:rPr lang="en-US" smtClean="0"/>
+              <a:rPr lang="en-US"/>
               <a:t>Click to edit Master text styles</a:t>
             </a:r>
           </a:p>
           <a:p>
             <a:pPr lvl="1"/>
             <a:r>
-              <a:rPr lang="en-US" smtClean="0"/>
+              <a:rPr lang="en-US"/>
               <a:t>Second level</a:t>
             </a:r>
           </a:p>
           <a:p>
             <a:pPr lvl="2"/>
             <a:r>
-              <a:rPr lang="en-US" smtClean="0"/>
+              <a:rPr lang="en-US"/>
               <a:t>Third level</a:t>
             </a:r>
           </a:p>
           <a:p>
             <a:pPr lvl="3"/>
             <a:r>
-              <a:rPr lang="en-US" smtClean="0"/>
+              <a:rPr lang="en-US"/>
               <a:t>Fourth level</a:t>
             </a:r>
           </a:p>
           <a:p>
             <a:pPr lvl="4"/>
             <a:r>
-              <a:rPr lang="en-US" smtClean="0"/>
+              <a:rPr lang="en-US"/>
               <a:t>Fifth level</a:t>
             </a:r>
-            <a:endParaRPr lang="en-US"/>
           </a:p>
         </p:txBody>
       </p:sp>
@@ -492,7 +488,7 @@
           <a:p>
             <a:fld id="{A76116CE-C4A3-4A05-B2D7-7C2E9A889C0F}" type="datetimeFigureOut">
               <a:rPr lang="en-US" smtClean="0"/>
-              <a:t>12/8/2021</a:t>
+              <a:t>1/8/2022</a:t>
             </a:fld>
             <a:endParaRPr lang="en-US"/>
           </a:p>
@@ -586,10 +582,9 @@
           <a:lstStyle/>
           <a:p>
             <a:r>
-              <a:rPr lang="en-US" smtClean="0"/>
+              <a:rPr lang="en-US"/>
               <a:t>Click to edit Master title style</a:t>
             </a:r>
-            <a:endParaRPr lang="en-US"/>
           </a:p>
         </p:txBody>
       </p:sp>
@@ -615,38 +610,37 @@
           <a:p>
             <a:pPr lvl="0"/>
             <a:r>
-              <a:rPr lang="en-US" smtClean="0"/>
+              <a:rPr lang="en-US"/>
               <a:t>Click to edit Master text styles</a:t>
             </a:r>
           </a:p>
           <a:p>
             <a:pPr lvl="1"/>
             <a:r>
-              <a:rPr lang="en-US" smtClean="0"/>
+              <a:rPr lang="en-US"/>
               <a:t>Second level</a:t>
             </a:r>
           </a:p>
           <a:p>
             <a:pPr lvl="2"/>
             <a:r>
-              <a:rPr lang="en-US" smtClean="0"/>
+              <a:rPr lang="en-US"/>
               <a:t>Third level</a:t>
             </a:r>
           </a:p>
           <a:p>
             <a:pPr lvl="3"/>
             <a:r>
-              <a:rPr lang="en-US" smtClean="0"/>
+              <a:rPr lang="en-US"/>
               <a:t>Fourth level</a:t>
             </a:r>
           </a:p>
           <a:p>
             <a:pPr lvl="4"/>
             <a:r>
-              <a:rPr lang="en-US" smtClean="0"/>
+              <a:rPr lang="en-US"/>
               <a:t>Fifth level</a:t>
             </a:r>
-            <a:endParaRPr lang="en-US"/>
           </a:p>
         </p:txBody>
       </p:sp>
@@ -667,7 +661,7 @@
           <a:p>
             <a:fld id="{A76116CE-C4A3-4A05-B2D7-7C2E9A889C0F}" type="datetimeFigureOut">
               <a:rPr lang="en-US" smtClean="0"/>
-              <a:t>12/8/2021</a:t>
+              <a:t>1/8/2022</a:t>
             </a:fld>
             <a:endParaRPr lang="en-US"/>
           </a:p>
@@ -756,10 +750,9 @@
           <a:lstStyle/>
           <a:p>
             <a:r>
-              <a:rPr lang="en-US" smtClean="0"/>
+              <a:rPr lang="en-US"/>
               <a:t>Click to edit Master title style</a:t>
             </a:r>
-            <a:endParaRPr lang="en-US"/>
           </a:p>
         </p:txBody>
       </p:sp>
@@ -782,38 +775,37 @@
               <a:buChar char="•"/>
             </a:pPr>
             <a:r>
-              <a:rPr lang="en-US" smtClean="0"/>
+              <a:rPr lang="en-US"/>
               <a:t>Click to edit Master text styles</a:t>
             </a:r>
           </a:p>
           <a:p>
             <a:pPr lvl="1"/>
             <a:r>
-              <a:rPr lang="en-US" smtClean="0"/>
+              <a:rPr lang="en-US"/>
               <a:t>Second level</a:t>
             </a:r>
           </a:p>
           <a:p>
             <a:pPr lvl="2"/>
             <a:r>
-              <a:rPr lang="en-US" smtClean="0"/>
+              <a:rPr lang="en-US"/>
               <a:t>Third level</a:t>
             </a:r>
           </a:p>
           <a:p>
             <a:pPr lvl="3"/>
             <a:r>
-              <a:rPr lang="en-US" smtClean="0"/>
+              <a:rPr lang="en-US"/>
               <a:t>Fourth level</a:t>
             </a:r>
           </a:p>
           <a:p>
             <a:pPr lvl="4"/>
             <a:r>
-              <a:rPr lang="en-US" smtClean="0"/>
+              <a:rPr lang="en-US"/>
               <a:t>Fifth level</a:t>
             </a:r>
-            <a:endParaRPr lang="en-US"/>
           </a:p>
         </p:txBody>
       </p:sp>
@@ -834,7 +826,7 @@
           <a:p>
             <a:fld id="{A76116CE-C4A3-4A05-B2D7-7C2E9A889C0F}" type="datetimeFigureOut">
               <a:rPr lang="en-US" smtClean="0"/>
-              <a:t>12/8/2021</a:t>
+              <a:t>1/8/2022</a:t>
             </a:fld>
             <a:endParaRPr lang="en-US"/>
           </a:p>
@@ -932,10 +924,9 @@
           </a:lstStyle>
           <a:p>
             <a:r>
-              <a:rPr lang="en-US" smtClean="0"/>
+              <a:rPr lang="en-US"/>
               <a:t>Click to edit Master title style</a:t>
             </a:r>
-            <a:endParaRPr lang="en-US"/>
           </a:p>
         </p:txBody>
       </p:sp>
@@ -1052,7 +1043,7 @@
           <a:p>
             <a:pPr lvl="0"/>
             <a:r>
-              <a:rPr lang="en-US" smtClean="0"/>
+              <a:rPr lang="en-US"/>
               <a:t>Click to edit Master text styles</a:t>
             </a:r>
           </a:p>
@@ -1075,7 +1066,7 @@
           <a:p>
             <a:fld id="{A76116CE-C4A3-4A05-B2D7-7C2E9A889C0F}" type="datetimeFigureOut">
               <a:rPr lang="en-US" smtClean="0"/>
-              <a:t>12/8/2021</a:t>
+              <a:t>1/8/2022</a:t>
             </a:fld>
             <a:endParaRPr lang="en-US"/>
           </a:p>
@@ -1164,10 +1155,9 @@
           <a:lstStyle/>
           <a:p>
             <a:r>
-              <a:rPr lang="en-US" smtClean="0"/>
+              <a:rPr lang="en-US"/>
               <a:t>Click to edit Master title style</a:t>
             </a:r>
-            <a:endParaRPr lang="en-US"/>
           </a:p>
         </p:txBody>
       </p:sp>
@@ -1221,38 +1211,37 @@
           <a:p>
             <a:pPr lvl="0"/>
             <a:r>
-              <a:rPr lang="en-US" smtClean="0"/>
+              <a:rPr lang="en-US"/>
               <a:t>Click to edit Master text styles</a:t>
             </a:r>
           </a:p>
           <a:p>
             <a:pPr lvl="1"/>
             <a:r>
-              <a:rPr lang="en-US" smtClean="0"/>
+              <a:rPr lang="en-US"/>
               <a:t>Second level</a:t>
             </a:r>
           </a:p>
           <a:p>
             <a:pPr lvl="2"/>
             <a:r>
-              <a:rPr lang="en-US" smtClean="0"/>
+              <a:rPr lang="en-US"/>
               <a:t>Third level</a:t>
             </a:r>
           </a:p>
           <a:p>
             <a:pPr lvl="3"/>
             <a:r>
-              <a:rPr lang="en-US" smtClean="0"/>
+              <a:rPr lang="en-US"/>
               <a:t>Fourth level</a:t>
             </a:r>
           </a:p>
           <a:p>
             <a:pPr lvl="4"/>
             <a:r>
-              <a:rPr lang="en-US" smtClean="0"/>
+              <a:rPr lang="en-US"/>
               <a:t>Fifth level</a:t>
             </a:r>
-            <a:endParaRPr lang="en-US"/>
           </a:p>
         </p:txBody>
       </p:sp>
@@ -1306,38 +1295,37 @@
           <a:p>
             <a:pPr lvl="0"/>
             <a:r>
-              <a:rPr lang="en-US" smtClean="0"/>
+              <a:rPr lang="en-US"/>
               <a:t>Click to edit Master text styles</a:t>
             </a:r>
           </a:p>
           <a:p>
             <a:pPr lvl="1"/>
             <a:r>
-              <a:rPr lang="en-US" smtClean="0"/>
+              <a:rPr lang="en-US"/>
               <a:t>Second level</a:t>
             </a:r>
           </a:p>
           <a:p>
             <a:pPr lvl="2"/>
             <a:r>
-              <a:rPr lang="en-US" smtClean="0"/>
+              <a:rPr lang="en-US"/>
               <a:t>Third level</a:t>
             </a:r>
           </a:p>
           <a:p>
             <a:pPr lvl="3"/>
             <a:r>
-              <a:rPr lang="en-US" smtClean="0"/>
+              <a:rPr lang="en-US"/>
               <a:t>Fourth level</a:t>
             </a:r>
           </a:p>
           <a:p>
             <a:pPr lvl="4"/>
             <a:r>
-              <a:rPr lang="en-US" smtClean="0"/>
+              <a:rPr lang="en-US"/>
               <a:t>Fifth level</a:t>
             </a:r>
-            <a:endParaRPr lang="en-US"/>
           </a:p>
         </p:txBody>
       </p:sp>
@@ -1358,7 +1346,7 @@
           <a:p>
             <a:fld id="{A76116CE-C4A3-4A05-B2D7-7C2E9A889C0F}" type="datetimeFigureOut">
               <a:rPr lang="en-US" smtClean="0"/>
-              <a:t>12/8/2021</a:t>
+              <a:t>1/8/2022</a:t>
             </a:fld>
             <a:endParaRPr lang="en-US"/>
           </a:p>
@@ -1451,10 +1439,9 @@
           </a:lstStyle>
           <a:p>
             <a:r>
-              <a:rPr lang="en-US" smtClean="0"/>
+              <a:rPr lang="en-US"/>
               <a:t>Click to edit Master title style</a:t>
             </a:r>
-            <a:endParaRPr lang="en-US"/>
           </a:p>
         </p:txBody>
       </p:sp>
@@ -1517,7 +1504,7 @@
           <a:p>
             <a:pPr lvl="0"/>
             <a:r>
-              <a:rPr lang="en-US" smtClean="0"/>
+              <a:rPr lang="en-US"/>
               <a:t>Click to edit Master text styles</a:t>
             </a:r>
           </a:p>
@@ -1573,38 +1560,37 @@
           <a:p>
             <a:pPr lvl="0"/>
             <a:r>
-              <a:rPr lang="en-US" smtClean="0"/>
+              <a:rPr lang="en-US"/>
               <a:t>Click to edit Master text styles</a:t>
             </a:r>
           </a:p>
           <a:p>
             <a:pPr lvl="1"/>
             <a:r>
-              <a:rPr lang="en-US" smtClean="0"/>
+              <a:rPr lang="en-US"/>
               <a:t>Second level</a:t>
             </a:r>
           </a:p>
           <a:p>
             <a:pPr lvl="2"/>
             <a:r>
-              <a:rPr lang="en-US" smtClean="0"/>
+              <a:rPr lang="en-US"/>
               <a:t>Third level</a:t>
             </a:r>
           </a:p>
           <a:p>
             <a:pPr lvl="3"/>
             <a:r>
-              <a:rPr lang="en-US" smtClean="0"/>
+              <a:rPr lang="en-US"/>
               <a:t>Fourth level</a:t>
             </a:r>
           </a:p>
           <a:p>
             <a:pPr lvl="4"/>
             <a:r>
-              <a:rPr lang="en-US" smtClean="0"/>
+              <a:rPr lang="en-US"/>
               <a:t>Fifth level</a:t>
             </a:r>
-            <a:endParaRPr lang="en-US"/>
           </a:p>
         </p:txBody>
       </p:sp>
@@ -1667,7 +1653,7 @@
           <a:p>
             <a:pPr lvl="0"/>
             <a:r>
-              <a:rPr lang="en-US" smtClean="0"/>
+              <a:rPr lang="en-US"/>
               <a:t>Click to edit Master text styles</a:t>
             </a:r>
           </a:p>
@@ -1723,38 +1709,37 @@
           <a:p>
             <a:pPr lvl="0"/>
             <a:r>
-              <a:rPr lang="en-US" smtClean="0"/>
+              <a:rPr lang="en-US"/>
               <a:t>Click to edit Master text styles</a:t>
             </a:r>
           </a:p>
           <a:p>
             <a:pPr lvl="1"/>
             <a:r>
-              <a:rPr lang="en-US" smtClean="0"/>
+              <a:rPr lang="en-US"/>
               <a:t>Second level</a:t>
             </a:r>
           </a:p>
           <a:p>
             <a:pPr lvl="2"/>
             <a:r>
-              <a:rPr lang="en-US" smtClean="0"/>
+              <a:rPr lang="en-US"/>
               <a:t>Third level</a:t>
             </a:r>
           </a:p>
           <a:p>
             <a:pPr lvl="3"/>
             <a:r>
-              <a:rPr lang="en-US" smtClean="0"/>
+              <a:rPr lang="en-US"/>
               <a:t>Fourth level</a:t>
             </a:r>
           </a:p>
           <a:p>
             <a:pPr lvl="4"/>
             <a:r>
-              <a:rPr lang="en-US" smtClean="0"/>
+              <a:rPr lang="en-US"/>
               <a:t>Fifth level</a:t>
             </a:r>
-            <a:endParaRPr lang="en-US"/>
           </a:p>
         </p:txBody>
       </p:sp>
@@ -1775,7 +1760,7 @@
           <a:p>
             <a:fld id="{A76116CE-C4A3-4A05-B2D7-7C2E9A889C0F}" type="datetimeFigureOut">
               <a:rPr lang="en-US" smtClean="0"/>
-              <a:t>12/8/2021</a:t>
+              <a:t>1/8/2022</a:t>
             </a:fld>
             <a:endParaRPr lang="en-US"/>
           </a:p>
@@ -1864,10 +1849,9 @@
           <a:lstStyle/>
           <a:p>
             <a:r>
-              <a:rPr lang="en-US" smtClean="0"/>
+              <a:rPr lang="en-US"/>
               <a:t>Click to edit Master title style</a:t>
             </a:r>
-            <a:endParaRPr lang="en-US"/>
           </a:p>
         </p:txBody>
       </p:sp>
@@ -1888,7 +1872,7 @@
           <a:p>
             <a:fld id="{A76116CE-C4A3-4A05-B2D7-7C2E9A889C0F}" type="datetimeFigureOut">
               <a:rPr lang="en-US" smtClean="0"/>
-              <a:t>12/8/2021</a:t>
+              <a:t>1/8/2022</a:t>
             </a:fld>
             <a:endParaRPr lang="en-US"/>
           </a:p>
@@ -1978,7 +1962,7 @@
           <a:p>
             <a:fld id="{A76116CE-C4A3-4A05-B2D7-7C2E9A889C0F}" type="datetimeFigureOut">
               <a:rPr lang="en-US" smtClean="0"/>
-              <a:t>12/8/2021</a:t>
+              <a:t>1/8/2022</a:t>
             </a:fld>
             <a:endParaRPr lang="en-US"/>
           </a:p>
@@ -2076,10 +2060,9 @@
           </a:lstStyle>
           <a:p>
             <a:r>
-              <a:rPr lang="en-US" smtClean="0"/>
+              <a:rPr lang="en-US"/>
               <a:t>Click to edit Master title style</a:t>
             </a:r>
-            <a:endParaRPr lang="en-US"/>
           </a:p>
         </p:txBody>
       </p:sp>
@@ -2133,38 +2116,37 @@
           <a:p>
             <a:pPr lvl="0"/>
             <a:r>
-              <a:rPr lang="en-US" smtClean="0"/>
+              <a:rPr lang="en-US"/>
               <a:t>Click to edit Master text styles</a:t>
             </a:r>
           </a:p>
           <a:p>
             <a:pPr lvl="1"/>
             <a:r>
-              <a:rPr lang="en-US" smtClean="0"/>
+              <a:rPr lang="en-US"/>
               <a:t>Second level</a:t>
             </a:r>
           </a:p>
           <a:p>
             <a:pPr lvl="2"/>
             <a:r>
-              <a:rPr lang="en-US" smtClean="0"/>
+              <a:rPr lang="en-US"/>
               <a:t>Third level</a:t>
             </a:r>
           </a:p>
           <a:p>
             <a:pPr lvl="3"/>
             <a:r>
-              <a:rPr lang="en-US" smtClean="0"/>
+              <a:rPr lang="en-US"/>
               <a:t>Fourth level</a:t>
             </a:r>
           </a:p>
           <a:p>
             <a:pPr lvl="4"/>
             <a:r>
-              <a:rPr lang="en-US" smtClean="0"/>
+              <a:rPr lang="en-US"/>
               <a:t>Fifth level</a:t>
             </a:r>
-            <a:endParaRPr lang="en-US"/>
           </a:p>
         </p:txBody>
       </p:sp>
@@ -2227,7 +2209,7 @@
           <a:p>
             <a:pPr lvl="0"/>
             <a:r>
-              <a:rPr lang="en-US" smtClean="0"/>
+              <a:rPr lang="en-US"/>
               <a:t>Click to edit Master text styles</a:t>
             </a:r>
           </a:p>
@@ -2250,7 +2232,7 @@
           <a:p>
             <a:fld id="{A76116CE-C4A3-4A05-B2D7-7C2E9A889C0F}" type="datetimeFigureOut">
               <a:rPr lang="en-US" smtClean="0"/>
-              <a:t>12/8/2021</a:t>
+              <a:t>1/8/2022</a:t>
             </a:fld>
             <a:endParaRPr lang="en-US"/>
           </a:p>
@@ -2348,10 +2330,9 @@
           </a:lstStyle>
           <a:p>
             <a:r>
-              <a:rPr lang="en-US" smtClean="0"/>
+              <a:rPr lang="en-US"/>
               <a:t>Click to edit Master title style</a:t>
             </a:r>
-            <a:endParaRPr lang="en-US"/>
           </a:p>
         </p:txBody>
       </p:sp>
@@ -2475,7 +2456,7 @@
           <a:p>
             <a:pPr lvl="0"/>
             <a:r>
-              <a:rPr lang="en-US" smtClean="0"/>
+              <a:rPr lang="en-US"/>
               <a:t>Click to edit Master text styles</a:t>
             </a:r>
           </a:p>
@@ -2498,7 +2479,7 @@
           <a:p>
             <a:fld id="{A76116CE-C4A3-4A05-B2D7-7C2E9A889C0F}" type="datetimeFigureOut">
               <a:rPr lang="en-US" smtClean="0"/>
-              <a:t>12/8/2021</a:t>
+              <a:t>1/8/2022</a:t>
             </a:fld>
             <a:endParaRPr lang="en-US"/>
           </a:p>
@@ -2602,10 +2583,9 @@
           <a:lstStyle/>
           <a:p>
             <a:r>
-              <a:rPr lang="en-US" smtClean="0"/>
+              <a:rPr lang="en-US"/>
               <a:t>Click to edit Master title style</a:t>
             </a:r>
-            <a:endParaRPr lang="en-US"/>
           </a:p>
         </p:txBody>
       </p:sp>
@@ -2636,38 +2616,37 @@
           <a:p>
             <a:pPr lvl="0"/>
             <a:r>
-              <a:rPr lang="en-US" smtClean="0"/>
+              <a:rPr lang="en-US"/>
               <a:t>Click to edit Master text styles</a:t>
             </a:r>
           </a:p>
           <a:p>
             <a:pPr lvl="1"/>
             <a:r>
-              <a:rPr lang="en-US" smtClean="0"/>
+              <a:rPr lang="en-US"/>
               <a:t>Second level</a:t>
             </a:r>
           </a:p>
           <a:p>
             <a:pPr lvl="2"/>
             <a:r>
-              <a:rPr lang="en-US" smtClean="0"/>
+              <a:rPr lang="en-US"/>
               <a:t>Third level</a:t>
             </a:r>
           </a:p>
           <a:p>
             <a:pPr lvl="3"/>
             <a:r>
-              <a:rPr lang="en-US" smtClean="0"/>
+              <a:rPr lang="en-US"/>
               <a:t>Fourth level</a:t>
             </a:r>
           </a:p>
           <a:p>
             <a:pPr lvl="4"/>
             <a:r>
-              <a:rPr lang="en-US" smtClean="0"/>
+              <a:rPr lang="en-US"/>
               <a:t>Fifth level</a:t>
             </a:r>
-            <a:endParaRPr lang="en-US"/>
           </a:p>
         </p:txBody>
       </p:sp>
@@ -2706,7 +2685,7 @@
           <a:p>
             <a:fld id="{F8166F1F-CE9B-4651-A6AA-CD717754106B}" type="datetimeFigureOut">
               <a:rPr lang="en-US" smtClean="0"/>
-              <a:t>12/8/2021</a:t>
+              <a:t>1/8/2022</a:t>
             </a:fld>
             <a:endParaRPr lang="en-US"/>
           </a:p>
@@ -3194,7 +3173,7 @@
           <a:lstStyle/>
           <a:p>
             <a:r>
-              <a:rPr lang="ko-KR" altLang="en-US" sz="3000" b="1" dirty="0" err="1" smtClean="0">
+              <a:rPr lang="ko-KR" altLang="en-US" sz="3000" b="1" dirty="0" err="1">
                 <a:solidFill>
                   <a:schemeClr val="tx1">
                     <a:lumMod val="65000"/>
@@ -3220,7 +3199,7 @@
               <a:t> </a:t>
             </a:r>
             <a:r>
-              <a:rPr lang="ko-KR" altLang="en-US" sz="3000" b="1" dirty="0" err="1" smtClean="0">
+              <a:rPr lang="ko-KR" altLang="en-US" sz="3000" b="1" dirty="0" err="1">
                 <a:solidFill>
                   <a:schemeClr val="tx1">
                     <a:lumMod val="65000"/>
@@ -3233,7 +3212,7 @@
               <a:t>류경문</a:t>
             </a:r>
             <a:r>
-              <a:rPr lang="ko-KR" altLang="en-US" sz="3000" b="1" dirty="0" smtClean="0">
+              <a:rPr lang="ko-KR" altLang="en-US" sz="3000" b="1" dirty="0">
                 <a:solidFill>
                   <a:schemeClr val="tx1">
                     <a:lumMod val="65000"/>
@@ -3246,7 +3225,7 @@
               <a:t> 권도균 </a:t>
             </a:r>
             <a:r>
-              <a:rPr lang="ko-KR" altLang="en-US" sz="3000" b="1" dirty="0" err="1" smtClean="0">
+              <a:rPr lang="ko-KR" altLang="en-US" sz="3000" b="1" dirty="0" err="1">
                 <a:solidFill>
                   <a:schemeClr val="tx1">
                     <a:lumMod val="65000"/>
@@ -3259,7 +3238,7 @@
               <a:t>권승연</a:t>
             </a:r>
             <a:r>
-              <a:rPr lang="ko-KR" altLang="en-US" sz="3000" b="1" dirty="0" smtClean="0">
+              <a:rPr lang="ko-KR" altLang="en-US" sz="3000" b="1" dirty="0">
                 <a:solidFill>
                   <a:schemeClr val="tx1">
                     <a:lumMod val="65000"/>
@@ -3271,7 +3250,7 @@
               </a:rPr>
               <a:t> </a:t>
             </a:r>
-            <a:endParaRPr lang="en-US" altLang="ko-KR" sz="3000" b="1" dirty="0" smtClean="0">
+            <a:endParaRPr lang="en-US" altLang="ko-KR" sz="3000" b="1" dirty="0">
               <a:solidFill>
                 <a:schemeClr val="tx1">
                   <a:lumMod val="65000"/>
@@ -3284,7 +3263,7 @@
           </a:p>
           <a:p>
             <a:r>
-              <a:rPr lang="ko-KR" altLang="en-US" sz="3000" b="1" dirty="0" smtClean="0">
+              <a:rPr lang="ko-KR" altLang="en-US" sz="3000" b="1" dirty="0">
                 <a:solidFill>
                   <a:schemeClr val="tx1">
                     <a:lumMod val="65000"/>
@@ -3297,7 +3276,7 @@
               <a:t>장상은 </a:t>
             </a:r>
             <a:r>
-              <a:rPr lang="ko-KR" altLang="en-US" sz="3000" b="1" dirty="0" err="1" smtClean="0">
+              <a:rPr lang="ko-KR" altLang="en-US" sz="3000" b="1" dirty="0" err="1">
                 <a:solidFill>
                   <a:schemeClr val="tx1">
                     <a:lumMod val="65000"/>
@@ -3310,7 +3289,7 @@
               <a:t>주지환</a:t>
             </a:r>
             <a:r>
-              <a:rPr lang="ko-KR" altLang="en-US" sz="3000" b="1" dirty="0" smtClean="0">
+              <a:rPr lang="ko-KR" altLang="en-US" sz="3000" b="1" dirty="0">
                 <a:solidFill>
                   <a:schemeClr val="tx1">
                     <a:lumMod val="65000"/>
@@ -3320,31 +3299,8 @@
                 <a:latin typeface="G마켓 산스 TTF Medium" panose="02000000000000000000" pitchFamily="2" charset="-127"/>
                 <a:ea typeface="G마켓 산스 TTF Medium" panose="02000000000000000000" pitchFamily="2" charset="-127"/>
               </a:rPr>
-              <a:t> </a:t>
+              <a:t> 이지훈 이승훈</a:t>
             </a:r>
-            <a:r>
-              <a:rPr lang="ko-KR" altLang="en-US" sz="3000" b="1" dirty="0" smtClean="0">
-                <a:solidFill>
-                  <a:schemeClr val="tx1">
-                    <a:lumMod val="65000"/>
-                    <a:lumOff val="35000"/>
-                  </a:schemeClr>
-                </a:solidFill>
-                <a:latin typeface="G마켓 산스 TTF Medium" panose="02000000000000000000" pitchFamily="2" charset="-127"/>
-                <a:ea typeface="G마켓 산스 TTF Medium" panose="02000000000000000000" pitchFamily="2" charset="-127"/>
-              </a:rPr>
-              <a:t>이지훈 이승훈</a:t>
-            </a:r>
-            <a:endParaRPr lang="ko-KR" altLang="en-US" sz="3000" b="1" dirty="0">
-              <a:solidFill>
-                <a:schemeClr val="tx1">
-                  <a:lumMod val="65000"/>
-                  <a:lumOff val="35000"/>
-                </a:schemeClr>
-              </a:solidFill>
-              <a:latin typeface="G마켓 산스 TTF Medium" panose="02000000000000000000" pitchFamily="2" charset="-127"/>
-              <a:ea typeface="G마켓 산스 TTF Medium" panose="02000000000000000000" pitchFamily="2" charset="-127"/>
-            </a:endParaRPr>
           </a:p>
         </p:txBody>
       </p:sp>
@@ -3353,13 +3309,6 @@
   <p:clrMapOvr>
     <a:masterClrMapping/>
   </p:clrMapOvr>
-  <p:timing>
-    <p:tnLst>
-      <p:par>
-        <p:cTn id="1" dur="indefinite" restart="never" nodeType="tmRoot"/>
-      </p:par>
-    </p:tnLst>
-  </p:timing>
 </p:sld>
 </file>
 
@@ -4197,13 +4146,6 @@
   <p:clrMapOvr>
     <a:masterClrMapping/>
   </p:clrMapOvr>
-  <p:timing>
-    <p:tnLst>
-      <p:par>
-        <p:cTn id="1" dur="indefinite" restart="never" nodeType="tmRoot"/>
-      </p:par>
-    </p:tnLst>
-  </p:timing>
 </p:sld>
 </file>
 
@@ -4537,13 +4479,6 @@
   <p:clrMapOvr>
     <a:masterClrMapping/>
   </p:clrMapOvr>
-  <p:timing>
-    <p:tnLst>
-      <p:par>
-        <p:cTn id="1" dur="indefinite" restart="never" nodeType="tmRoot"/>
-      </p:par>
-    </p:tnLst>
-  </p:timing>
 </p:sld>
 </file>
 
@@ -6084,13 +6019,6 @@
   <p:clrMapOvr>
     <a:masterClrMapping/>
   </p:clrMapOvr>
-  <p:timing>
-    <p:tnLst>
-      <p:par>
-        <p:cTn id="1" dur="indefinite" restart="never" nodeType="tmRoot"/>
-      </p:par>
-    </p:tnLst>
-  </p:timing>
 </p:sld>
 </file>
 
@@ -6259,13 +6187,6 @@
   <p:clrMapOvr>
     <a:masterClrMapping/>
   </p:clrMapOvr>
-  <p:timing>
-    <p:tnLst>
-      <p:par>
-        <p:cTn id="1" dur="indefinite" restart="never" nodeType="tmRoot"/>
-      </p:par>
-    </p:tnLst>
-  </p:timing>
 </p:sld>
 </file>
 
@@ -6830,7 +6751,7 @@
             <p:nvPr/>
           </p:nvPicPr>
           <p:blipFill>
-            <a:blip r:embed="rId2" cstate="print"/>
+            <a:blip r:embed="rId3" cstate="print"/>
             <a:stretch>
               <a:fillRect/>
             </a:stretch>
@@ -6855,7 +6776,7 @@
           <p:nvPr/>
         </p:nvPicPr>
         <p:blipFill>
-          <a:blip r:embed="rId3" cstate="print"/>
+          <a:blip r:embed="rId4" cstate="print"/>
           <a:stretch>
             <a:fillRect/>
           </a:stretch>
@@ -6879,7 +6800,7 @@
           <p:nvPr/>
         </p:nvPicPr>
         <p:blipFill>
-          <a:blip r:embed="rId4" cstate="print"/>
+          <a:blip r:embed="rId5" cstate="print"/>
           <a:stretch>
             <a:fillRect/>
           </a:stretch>
@@ -6894,59 +6815,44 @@
           </a:prstGeom>
         </p:spPr>
       </p:pic>
-      <p:grpSp>
-        <p:nvGrpSpPr>
-          <p:cNvPr id="1002" name="그룹 1002"/>
-          <p:cNvGrpSpPr/>
-          <p:nvPr/>
-        </p:nvGrpSpPr>
-        <p:grpSpPr>
-          <a:xfrm>
-            <a:off x="6159054" y="3520575"/>
-            <a:ext cx="6171429" cy="6171429"/>
-            <a:chOff x="6159054" y="3520575"/>
-            <a:chExt cx="6171429" cy="6171429"/>
-          </a:xfrm>
-        </p:grpSpPr>
-        <p:pic>
-          <p:nvPicPr>
-            <p:cNvPr id="8" name="Object 7">
-              <a:hlinkClick r:id="rId5"/>
-            </p:cNvPr>
-            <p:cNvPicPr>
-              <a:picLocks noChangeAspect="1"/>
-            </p:cNvPicPr>
-            <p:nvPr/>
-          </p:nvPicPr>
-          <p:blipFill>
-            <a:blip r:embed="rId6" cstate="print"/>
-            <a:stretch>
-              <a:fillRect/>
-            </a:stretch>
-          </p:blipFill>
-          <p:spPr>
-            <a:xfrm>
-              <a:off x="6159054" y="3520575"/>
-              <a:ext cx="6171429" cy="6171429"/>
-            </a:xfrm>
-            <a:prstGeom prst="rect">
-              <a:avLst/>
-            </a:prstGeom>
-          </p:spPr>
-        </p:pic>
-      </p:grpSp>
+      <p:pic>
+        <p:nvPicPr>
+          <p:cNvPr id="7" name="온라인 미디어 6" title="AI04B조">
+            <a:hlinkClick r:id="" action="ppaction://media"/>
+            <a:extLst>
+              <a:ext uri="{FF2B5EF4-FFF2-40B4-BE49-F238E27FC236}">
+                <a16:creationId xmlns:a16="http://schemas.microsoft.com/office/drawing/2014/main" id="{F6934FC6-E916-43F1-B394-35D7E1765C5F}"/>
+              </a:ext>
+            </a:extLst>
+          </p:cNvPr>
+          <p:cNvPicPr>
+            <a:picLocks noRot="1" noChangeAspect="1"/>
+          </p:cNvPicPr>
+          <p:nvPr>
+            <a:videoFile r:link="rId1"/>
+          </p:nvPr>
+        </p:nvPicPr>
+        <p:blipFill>
+          <a:blip r:embed="rId6"/>
+          <a:stretch>
+            <a:fillRect/>
+          </a:stretch>
+        </p:blipFill>
+        <p:spPr>
+          <a:xfrm>
+            <a:off x="5715000" y="4229100"/>
+            <a:ext cx="6527800" cy="3688207"/>
+          </a:xfrm>
+          <a:prstGeom prst="rect">
+            <a:avLst/>
+          </a:prstGeom>
+        </p:spPr>
+      </p:pic>
     </p:spTree>
   </p:cSld>
   <p:clrMapOvr>
     <a:masterClrMapping/>
   </p:clrMapOvr>
-  <p:timing>
-    <p:tnLst>
-      <p:par>
-        <p:cTn id="1" dur="indefinite" restart="never" nodeType="tmRoot"/>
-      </p:par>
-    </p:tnLst>
-  </p:timing>
 </p:sld>
 </file>
 
@@ -7004,13 +6910,6 @@
   <p:clrMapOvr>
     <a:masterClrMapping/>
   </p:clrMapOvr>
-  <p:timing>
-    <p:tnLst>
-      <p:par>
-        <p:cTn id="1" dur="indefinite" restart="never" nodeType="tmRoot"/>
-      </p:par>
-    </p:tnLst>
-  </p:timing>
 </p:sld>
 </file>
 
@@ -7068,13 +6967,6 @@
   <p:clrMapOvr>
     <a:masterClrMapping/>
   </p:clrMapOvr>
-  <p:timing>
-    <p:tnLst>
-      <p:par>
-        <p:cTn id="1" dur="indefinite" restart="never" nodeType="tmRoot"/>
-      </p:par>
-    </p:tnLst>
-  </p:timing>
 </p:sld>
 </file>
 
@@ -7489,13 +7381,6 @@
   <p:clrMapOvr>
     <a:masterClrMapping/>
   </p:clrMapOvr>
-  <p:timing>
-    <p:tnLst>
-      <p:par>
-        <p:cTn id="1" dur="indefinite" restart="never" nodeType="tmRoot"/>
-      </p:par>
-    </p:tnLst>
-  </p:timing>
 </p:sld>
 </file>
 
@@ -7633,13 +7518,6 @@
   <p:clrMapOvr>
     <a:masterClrMapping/>
   </p:clrMapOvr>
-  <p:timing>
-    <p:tnLst>
-      <p:par>
-        <p:cTn id="1" dur="indefinite" restart="never" nodeType="tmRoot"/>
-      </p:par>
-    </p:tnLst>
-  </p:timing>
 </p:sld>
 </file>
 
@@ -7945,13 +7823,6 @@
   <p:clrMapOvr>
     <a:masterClrMapping/>
   </p:clrMapOvr>
-  <p:timing>
-    <p:tnLst>
-      <p:par>
-        <p:cTn id="1" dur="indefinite" restart="never" nodeType="tmRoot"/>
-      </p:par>
-    </p:tnLst>
-  </p:timing>
 </p:sld>
 </file>
 
@@ -8144,13 +8015,6 @@
   <p:clrMapOvr>
     <a:masterClrMapping/>
   </p:clrMapOvr>
-  <p:timing>
-    <p:tnLst>
-      <p:par>
-        <p:cTn id="1" dur="indefinite" restart="never" nodeType="tmRoot"/>
-      </p:par>
-    </p:tnLst>
-  </p:timing>
 </p:sld>
 </file>
 

--- a/Python_Project.pptx
+++ b/Python_Project.pptx
@@ -325,7 +325,7 @@
           <a:p>
             <a:fld id="{F8166F1F-CE9B-4651-A6AA-CD717754106B}" type="datetimeFigureOut">
               <a:rPr lang="en-US" smtClean="0"/>
-              <a:t>1/8/2022</a:t>
+              <a:t>3/26/2022</a:t>
             </a:fld>
             <a:endParaRPr lang="en-US"/>
           </a:p>
@@ -488,7 +488,7 @@
           <a:p>
             <a:fld id="{A76116CE-C4A3-4A05-B2D7-7C2E9A889C0F}" type="datetimeFigureOut">
               <a:rPr lang="en-US" smtClean="0"/>
-              <a:t>1/8/2022</a:t>
+              <a:t>3/26/2022</a:t>
             </a:fld>
             <a:endParaRPr lang="en-US"/>
           </a:p>
@@ -661,7 +661,7 @@
           <a:p>
             <a:fld id="{A76116CE-C4A3-4A05-B2D7-7C2E9A889C0F}" type="datetimeFigureOut">
               <a:rPr lang="en-US" smtClean="0"/>
-              <a:t>1/8/2022</a:t>
+              <a:t>3/26/2022</a:t>
             </a:fld>
             <a:endParaRPr lang="en-US"/>
           </a:p>
@@ -826,7 +826,7 @@
           <a:p>
             <a:fld id="{A76116CE-C4A3-4A05-B2D7-7C2E9A889C0F}" type="datetimeFigureOut">
               <a:rPr lang="en-US" smtClean="0"/>
-              <a:t>1/8/2022</a:t>
+              <a:t>3/26/2022</a:t>
             </a:fld>
             <a:endParaRPr lang="en-US"/>
           </a:p>
@@ -1066,7 +1066,7 @@
           <a:p>
             <a:fld id="{A76116CE-C4A3-4A05-B2D7-7C2E9A889C0F}" type="datetimeFigureOut">
               <a:rPr lang="en-US" smtClean="0"/>
-              <a:t>1/8/2022</a:t>
+              <a:t>3/26/2022</a:t>
             </a:fld>
             <a:endParaRPr lang="en-US"/>
           </a:p>
@@ -1346,7 +1346,7 @@
           <a:p>
             <a:fld id="{A76116CE-C4A3-4A05-B2D7-7C2E9A889C0F}" type="datetimeFigureOut">
               <a:rPr lang="en-US" smtClean="0"/>
-              <a:t>1/8/2022</a:t>
+              <a:t>3/26/2022</a:t>
             </a:fld>
             <a:endParaRPr lang="en-US"/>
           </a:p>
@@ -1760,7 +1760,7 @@
           <a:p>
             <a:fld id="{A76116CE-C4A3-4A05-B2D7-7C2E9A889C0F}" type="datetimeFigureOut">
               <a:rPr lang="en-US" smtClean="0"/>
-              <a:t>1/8/2022</a:t>
+              <a:t>3/26/2022</a:t>
             </a:fld>
             <a:endParaRPr lang="en-US"/>
           </a:p>
@@ -1872,7 +1872,7 @@
           <a:p>
             <a:fld id="{A76116CE-C4A3-4A05-B2D7-7C2E9A889C0F}" type="datetimeFigureOut">
               <a:rPr lang="en-US" smtClean="0"/>
-              <a:t>1/8/2022</a:t>
+              <a:t>3/26/2022</a:t>
             </a:fld>
             <a:endParaRPr lang="en-US"/>
           </a:p>
@@ -1962,7 +1962,7 @@
           <a:p>
             <a:fld id="{A76116CE-C4A3-4A05-B2D7-7C2E9A889C0F}" type="datetimeFigureOut">
               <a:rPr lang="en-US" smtClean="0"/>
-              <a:t>1/8/2022</a:t>
+              <a:t>3/26/2022</a:t>
             </a:fld>
             <a:endParaRPr lang="en-US"/>
           </a:p>
@@ -2232,7 +2232,7 @@
           <a:p>
             <a:fld id="{A76116CE-C4A3-4A05-B2D7-7C2E9A889C0F}" type="datetimeFigureOut">
               <a:rPr lang="en-US" smtClean="0"/>
-              <a:t>1/8/2022</a:t>
+              <a:t>3/26/2022</a:t>
             </a:fld>
             <a:endParaRPr lang="en-US"/>
           </a:p>
@@ -2479,7 +2479,7 @@
           <a:p>
             <a:fld id="{A76116CE-C4A3-4A05-B2D7-7C2E9A889C0F}" type="datetimeFigureOut">
               <a:rPr lang="en-US" smtClean="0"/>
-              <a:t>1/8/2022</a:t>
+              <a:t>3/26/2022</a:t>
             </a:fld>
             <a:endParaRPr lang="en-US"/>
           </a:p>
@@ -2685,7 +2685,7 @@
           <a:p>
             <a:fld id="{F8166F1F-CE9B-4651-A6AA-CD717754106B}" type="datetimeFigureOut">
               <a:rPr lang="en-US" smtClean="0"/>
-              <a:t>1/8/2022</a:t>
+              <a:t>3/26/2022</a:t>
             </a:fld>
             <a:endParaRPr lang="en-US"/>
           </a:p>
@@ -3065,7 +3065,7 @@
       </p:grpSpPr>
       <p:pic>
         <p:nvPicPr>
-          <p:cNvPr id="2" name="Object 1"/>
+          <p:cNvPr id="3" name="Object 2"/>
           <p:cNvPicPr>
             <a:picLocks noChangeAspect="1"/>
           </p:cNvPicPr>
@@ -3073,30 +3073,6 @@
         </p:nvPicPr>
         <p:blipFill>
           <a:blip r:embed="rId2" cstate="print"/>
-          <a:stretch>
-            <a:fillRect/>
-          </a:stretch>
-        </p:blipFill>
-        <p:spPr>
-          <a:xfrm>
-            <a:off x="777517" y="641239"/>
-            <a:ext cx="4947409" cy="4971421"/>
-          </a:xfrm>
-          <a:prstGeom prst="rect">
-            <a:avLst/>
-          </a:prstGeom>
-        </p:spPr>
-      </p:pic>
-      <p:pic>
-        <p:nvPicPr>
-          <p:cNvPr id="3" name="Object 2"/>
-          <p:cNvPicPr>
-            <a:picLocks noChangeAspect="1"/>
-          </p:cNvPicPr>
-          <p:nvPr/>
-        </p:nvPicPr>
-        <p:blipFill>
-          <a:blip r:embed="rId3" cstate="print"/>
           <a:stretch>
             <a:fillRect/>
           </a:stretch>
@@ -3134,7 +3110,7 @@
             <p:nvPr/>
           </p:nvPicPr>
           <p:blipFill>
-            <a:blip r:embed="rId4" cstate="print"/>
+            <a:blip r:embed="rId3" cstate="print"/>
             <a:stretch>
               <a:fillRect/>
             </a:stretch>
@@ -3301,6 +3277,58 @@
               </a:rPr>
               <a:t> 이지훈 이승훈</a:t>
             </a:r>
+          </a:p>
+        </p:txBody>
+      </p:sp>
+      <p:sp>
+        <p:nvSpPr>
+          <p:cNvPr id="7" name="TextBox 6">
+            <a:extLst>
+              <a:ext uri="{FF2B5EF4-FFF2-40B4-BE49-F238E27FC236}">
+                <a16:creationId xmlns:a16="http://schemas.microsoft.com/office/drawing/2014/main" id="{78D3259C-51F2-4398-8B7B-968568739502}"/>
+              </a:ext>
+            </a:extLst>
+          </p:cNvPr>
+          <p:cNvSpPr txBox="1"/>
+          <p:nvPr/>
+        </p:nvSpPr>
+        <p:spPr>
+          <a:xfrm>
+            <a:off x="1447800" y="2449107"/>
+            <a:ext cx="3886200" cy="1569660"/>
+          </a:xfrm>
+          <a:prstGeom prst="rect">
+            <a:avLst/>
+          </a:prstGeom>
+          <a:noFill/>
+        </p:spPr>
+        <p:txBody>
+          <a:bodyPr wrap="square" rtlCol="0">
+            <a:spAutoFit/>
+          </a:bodyPr>
+          <a:lstStyle/>
+          <a:p>
+            <a:r>
+              <a:rPr lang="ko-KR" altLang="en-US" sz="9600" dirty="0" err="1">
+                <a:solidFill>
+                  <a:srgbClr val="FFC000"/>
+                </a:solidFill>
+                <a:latin typeface="휴먼둥근헤드라인" panose="02030504000101010101" pitchFamily="18" charset="-127"/>
+                <a:ea typeface="휴먼둥근헤드라인" panose="02030504000101010101" pitchFamily="18" charset="-127"/>
+              </a:rPr>
+              <a:t>꿀</a:t>
+            </a:r>
+            <a:r>
+              <a:rPr lang="ko-KR" altLang="en-US" sz="9600" dirty="0" err="1">
+                <a:latin typeface="휴먼둥근헤드라인" panose="02030504000101010101" pitchFamily="18" charset="-127"/>
+                <a:ea typeface="휴먼둥근헤드라인" panose="02030504000101010101" pitchFamily="18" charset="-127"/>
+              </a:rPr>
+              <a:t>딜러</a:t>
+            </a:r>
+            <a:endParaRPr lang="ko-KR" altLang="en-US" sz="9600" dirty="0">
+              <a:latin typeface="휴먼둥근헤드라인" panose="02030504000101010101" pitchFamily="18" charset="-127"/>
+              <a:ea typeface="휴먼둥근헤드라인" panose="02030504000101010101" pitchFamily="18" charset="-127"/>
+            </a:endParaRPr>
           </a:p>
         </p:txBody>
       </p:sp>
